--- a/documentation/Оptimization-of-design-solutions.pptx
+++ b/documentation/Оptimization-of-design-solutions.pptx
@@ -7,6 +7,13 @@
   <p:sldIdLst>
     <p:sldId id="256" r:id="rId2"/>
     <p:sldId id="257" r:id="rId3"/>
+    <p:sldId id="258" r:id="rId4"/>
+    <p:sldId id="259" r:id="rId5"/>
+    <p:sldId id="260" r:id="rId6"/>
+    <p:sldId id="261" r:id="rId7"/>
+    <p:sldId id="262" r:id="rId8"/>
+    <p:sldId id="263" r:id="rId9"/>
+    <p:sldId id="264" r:id="rId10"/>
   </p:sldIdLst>
   <p:sldSz cx="12192000" cy="6858000"/>
   <p:notesSz cx="6858000" cy="9144000"/>
@@ -105,6 +112,11 @@
       </a:defRPr>
     </a:lvl9pPr>
   </p:defaultTextStyle>
+  <p:extLst>
+    <p:ext uri="{EFAFB233-063F-42B5-8137-9DF3F51BA10A}">
+      <p15:sldGuideLst xmlns:p15="http://schemas.microsoft.com/office/powerpoint/2012/main"/>
+    </p:ext>
+  </p:extLst>
 </p:presentation>
 </file>
 
@@ -279,7 +291,7 @@
           <a:p>
             <a:fld id="{89CB34C6-6954-44D0-8485-F303D72599BB}" type="datetimeFigureOut">
               <a:rPr lang="ru-BY" smtClean="0"/>
-              <a:t>24.11.2022</a:t>
+              <a:t>11/27/2022</a:t>
             </a:fld>
             <a:endParaRPr lang="ru-BY"/>
           </a:p>
@@ -591,7 +603,7 @@
           <a:p>
             <a:fld id="{89CB34C6-6954-44D0-8485-F303D72599BB}" type="datetimeFigureOut">
               <a:rPr lang="ru-BY" smtClean="0"/>
-              <a:t>24.11.2022</a:t>
+              <a:t>11/27/2022</a:t>
             </a:fld>
             <a:endParaRPr lang="ru-BY"/>
           </a:p>
@@ -813,7 +825,7 @@
           <a:p>
             <a:fld id="{89CB34C6-6954-44D0-8485-F303D72599BB}" type="datetimeFigureOut">
               <a:rPr lang="ru-BY" smtClean="0"/>
-              <a:t>24.11.2022</a:t>
+              <a:t>11/27/2022</a:t>
             </a:fld>
             <a:endParaRPr lang="ru-BY"/>
           </a:p>
@@ -1104,7 +1116,7 @@
           <a:p>
             <a:fld id="{89CB34C6-6954-44D0-8485-F303D72599BB}" type="datetimeFigureOut">
               <a:rPr lang="ru-BY" smtClean="0"/>
-              <a:t>24.11.2022</a:t>
+              <a:t>11/27/2022</a:t>
             </a:fld>
             <a:endParaRPr lang="ru-BY"/>
           </a:p>
@@ -1558,7 +1570,7 @@
           <a:p>
             <a:fld id="{89CB34C6-6954-44D0-8485-F303D72599BB}" type="datetimeFigureOut">
               <a:rPr lang="ru-BY" smtClean="0"/>
-              <a:t>24.11.2022</a:t>
+              <a:t>11/27/2022</a:t>
             </a:fld>
             <a:endParaRPr lang="ru-BY"/>
           </a:p>
@@ -2134,7 +2146,7 @@
           <a:p>
             <a:fld id="{89CB34C6-6954-44D0-8485-F303D72599BB}" type="datetimeFigureOut">
               <a:rPr lang="ru-BY" smtClean="0"/>
-              <a:t>24.11.2022</a:t>
+              <a:t>11/27/2022</a:t>
             </a:fld>
             <a:endParaRPr lang="ru-BY"/>
           </a:p>
@@ -2986,7 +2998,7 @@
           <a:p>
             <a:fld id="{89CB34C6-6954-44D0-8485-F303D72599BB}" type="datetimeFigureOut">
               <a:rPr lang="ru-BY" smtClean="0"/>
-              <a:t>24.11.2022</a:t>
+              <a:t>11/27/2022</a:t>
             </a:fld>
             <a:endParaRPr lang="ru-BY"/>
           </a:p>
@@ -3191,7 +3203,7 @@
           <a:p>
             <a:fld id="{89CB34C6-6954-44D0-8485-F303D72599BB}" type="datetimeFigureOut">
               <a:rPr lang="ru-BY" smtClean="0"/>
-              <a:t>24.11.2022</a:t>
+              <a:t>11/27/2022</a:t>
             </a:fld>
             <a:endParaRPr lang="ru-BY"/>
           </a:p>
@@ -3405,7 +3417,7 @@
           <a:p>
             <a:fld id="{89CB34C6-6954-44D0-8485-F303D72599BB}" type="datetimeFigureOut">
               <a:rPr lang="ru-BY" smtClean="0"/>
-              <a:t>24.11.2022</a:t>
+              <a:t>11/27/2022</a:t>
             </a:fld>
             <a:endParaRPr lang="ru-BY"/>
           </a:p>
@@ -3610,7 +3622,7 @@
           <a:p>
             <a:fld id="{89CB34C6-6954-44D0-8485-F303D72599BB}" type="datetimeFigureOut">
               <a:rPr lang="ru-BY" smtClean="0"/>
-              <a:t>24.11.2022</a:t>
+              <a:t>11/27/2022</a:t>
             </a:fld>
             <a:endParaRPr lang="ru-BY"/>
           </a:p>
@@ -3890,7 +3902,7 @@
           <a:p>
             <a:fld id="{89CB34C6-6954-44D0-8485-F303D72599BB}" type="datetimeFigureOut">
               <a:rPr lang="ru-BY" smtClean="0"/>
-              <a:t>24.11.2022</a:t>
+              <a:t>11/27/2022</a:t>
             </a:fld>
             <a:endParaRPr lang="ru-BY"/>
           </a:p>
@@ -4157,7 +4169,7 @@
           <a:p>
             <a:fld id="{89CB34C6-6954-44D0-8485-F303D72599BB}" type="datetimeFigureOut">
               <a:rPr lang="ru-BY" smtClean="0"/>
-              <a:t>24.11.2022</a:t>
+              <a:t>11/27/2022</a:t>
             </a:fld>
             <a:endParaRPr lang="ru-BY"/>
           </a:p>
@@ -4572,7 +4584,7 @@
           <a:p>
             <a:fld id="{89CB34C6-6954-44D0-8485-F303D72599BB}" type="datetimeFigureOut">
               <a:rPr lang="ru-BY" smtClean="0"/>
-              <a:t>24.11.2022</a:t>
+              <a:t>11/27/2022</a:t>
             </a:fld>
             <a:endParaRPr lang="ru-BY"/>
           </a:p>
@@ -4720,7 +4732,7 @@
           <a:p>
             <a:fld id="{89CB34C6-6954-44D0-8485-F303D72599BB}" type="datetimeFigureOut">
               <a:rPr lang="ru-BY" smtClean="0"/>
-              <a:t>24.11.2022</a:t>
+              <a:t>11/27/2022</a:t>
             </a:fld>
             <a:endParaRPr lang="ru-BY"/>
           </a:p>
@@ -4845,7 +4857,7 @@
           <a:p>
             <a:fld id="{89CB34C6-6954-44D0-8485-F303D72599BB}" type="datetimeFigureOut">
               <a:rPr lang="ru-BY" smtClean="0"/>
-              <a:t>24.11.2022</a:t>
+              <a:t>11/27/2022</a:t>
             </a:fld>
             <a:endParaRPr lang="ru-BY"/>
           </a:p>
@@ -5124,7 +5136,7 @@
           <a:p>
             <a:fld id="{89CB34C6-6954-44D0-8485-F303D72599BB}" type="datetimeFigureOut">
               <a:rPr lang="ru-BY" smtClean="0"/>
-              <a:t>24.11.2022</a:t>
+              <a:t>11/27/2022</a:t>
             </a:fld>
             <a:endParaRPr lang="ru-BY"/>
           </a:p>
@@ -5436,7 +5448,7 @@
           <a:p>
             <a:fld id="{89CB34C6-6954-44D0-8485-F303D72599BB}" type="datetimeFigureOut">
               <a:rPr lang="ru-BY" smtClean="0"/>
-              <a:t>24.11.2022</a:t>
+              <a:t>11/27/2022</a:t>
             </a:fld>
             <a:endParaRPr lang="ru-BY"/>
           </a:p>
@@ -5689,7 +5701,7 @@
           <a:p>
             <a:fld id="{89CB34C6-6954-44D0-8485-F303D72599BB}" type="datetimeFigureOut">
               <a:rPr lang="ru-BY" smtClean="0"/>
-              <a:t>24.11.2022</a:t>
+              <a:t>11/27/2022</a:t>
             </a:fld>
             <a:endParaRPr lang="ru-BY"/>
           </a:p>
@@ -6232,6 +6244,348 @@
   <p:clrMapOvr>
     <a:masterClrMapping/>
   </p:clrMapOvr>
+  <p:timing>
+    <p:tnLst>
+      <p:par>
+        <p:cTn id="1" dur="indefinite" restart="never" nodeType="tmRoot">
+          <p:childTnLst>
+            <p:seq concurrent="1" nextAc="seek">
+              <p:cTn id="2" dur="indefinite" nodeType="mainSeq">
+                <p:childTnLst>
+                  <p:par>
+                    <p:cTn id="3" fill="hold">
+                      <p:stCondLst>
+                        <p:cond delay="indefinite"/>
+                      </p:stCondLst>
+                      <p:childTnLst>
+                        <p:par>
+                          <p:cTn id="4" fill="hold">
+                            <p:stCondLst>
+                              <p:cond delay="0"/>
+                            </p:stCondLst>
+                            <p:childTnLst>
+                              <p:par>
+                                <p:cTn id="5" presetID="2" presetClass="entr" presetSubtype="4" fill="hold" grpId="0" nodeType="clickEffect">
+                                  <p:stCondLst>
+                                    <p:cond delay="0"/>
+                                  </p:stCondLst>
+                                  <p:childTnLst>
+                                    <p:set>
+                                      <p:cBhvr>
+                                        <p:cTn id="6" dur="1" fill="hold">
+                                          <p:stCondLst>
+                                            <p:cond delay="0"/>
+                                          </p:stCondLst>
+                                        </p:cTn>
+                                        <p:tgtEl>
+                                          <p:spTgt spid="3">
+                                            <p:txEl>
+                                              <p:pRg st="0" end="0"/>
+                                            </p:txEl>
+                                          </p:spTgt>
+                                        </p:tgtEl>
+                                        <p:attrNameLst>
+                                          <p:attrName>style.visibility</p:attrName>
+                                        </p:attrNameLst>
+                                      </p:cBhvr>
+                                      <p:to>
+                                        <p:strVal val="visible"/>
+                                      </p:to>
+                                    </p:set>
+                                    <p:anim calcmode="lin" valueType="num">
+                                      <p:cBhvr additive="base">
+                                        <p:cTn id="7" dur="500" fill="hold"/>
+                                        <p:tgtEl>
+                                          <p:spTgt spid="3">
+                                            <p:txEl>
+                                              <p:pRg st="0" end="0"/>
+                                            </p:txEl>
+                                          </p:spTgt>
+                                        </p:tgtEl>
+                                        <p:attrNameLst>
+                                          <p:attrName>ppt_x</p:attrName>
+                                        </p:attrNameLst>
+                                      </p:cBhvr>
+                                      <p:tavLst>
+                                        <p:tav tm="0">
+                                          <p:val>
+                                            <p:strVal val="#ppt_x"/>
+                                          </p:val>
+                                        </p:tav>
+                                        <p:tav tm="100000">
+                                          <p:val>
+                                            <p:strVal val="#ppt_x"/>
+                                          </p:val>
+                                        </p:tav>
+                                      </p:tavLst>
+                                    </p:anim>
+                                    <p:anim calcmode="lin" valueType="num">
+                                      <p:cBhvr additive="base">
+                                        <p:cTn id="8" dur="500" fill="hold"/>
+                                        <p:tgtEl>
+                                          <p:spTgt spid="3">
+                                            <p:txEl>
+                                              <p:pRg st="0" end="0"/>
+                                            </p:txEl>
+                                          </p:spTgt>
+                                        </p:tgtEl>
+                                        <p:attrNameLst>
+                                          <p:attrName>ppt_y</p:attrName>
+                                        </p:attrNameLst>
+                                      </p:cBhvr>
+                                      <p:tavLst>
+                                        <p:tav tm="0">
+                                          <p:val>
+                                            <p:strVal val="1+#ppt_h/2"/>
+                                          </p:val>
+                                        </p:tav>
+                                        <p:tav tm="100000">
+                                          <p:val>
+                                            <p:strVal val="#ppt_y"/>
+                                          </p:val>
+                                        </p:tav>
+                                      </p:tavLst>
+                                    </p:anim>
+                                  </p:childTnLst>
+                                </p:cTn>
+                              </p:par>
+                            </p:childTnLst>
+                          </p:cTn>
+                        </p:par>
+                      </p:childTnLst>
+                    </p:cTn>
+                  </p:par>
+                  <p:par>
+                    <p:cTn id="9" fill="hold">
+                      <p:stCondLst>
+                        <p:cond delay="indefinite"/>
+                      </p:stCondLst>
+                      <p:childTnLst>
+                        <p:par>
+                          <p:cTn id="10" fill="hold">
+                            <p:stCondLst>
+                              <p:cond delay="0"/>
+                            </p:stCondLst>
+                            <p:childTnLst>
+                              <p:par>
+                                <p:cTn id="11" presetID="2" presetClass="entr" presetSubtype="4" fill="hold" grpId="0" nodeType="clickEffect">
+                                  <p:stCondLst>
+                                    <p:cond delay="0"/>
+                                  </p:stCondLst>
+                                  <p:childTnLst>
+                                    <p:set>
+                                      <p:cBhvr>
+                                        <p:cTn id="12" dur="1" fill="hold">
+                                          <p:stCondLst>
+                                            <p:cond delay="0"/>
+                                          </p:stCondLst>
+                                        </p:cTn>
+                                        <p:tgtEl>
+                                          <p:spTgt spid="3">
+                                            <p:txEl>
+                                              <p:pRg st="1" end="1"/>
+                                            </p:txEl>
+                                          </p:spTgt>
+                                        </p:tgtEl>
+                                        <p:attrNameLst>
+                                          <p:attrName>style.visibility</p:attrName>
+                                        </p:attrNameLst>
+                                      </p:cBhvr>
+                                      <p:to>
+                                        <p:strVal val="visible"/>
+                                      </p:to>
+                                    </p:set>
+                                    <p:anim calcmode="lin" valueType="num">
+                                      <p:cBhvr additive="base">
+                                        <p:cTn id="13" dur="500" fill="hold"/>
+                                        <p:tgtEl>
+                                          <p:spTgt spid="3">
+                                            <p:txEl>
+                                              <p:pRg st="1" end="1"/>
+                                            </p:txEl>
+                                          </p:spTgt>
+                                        </p:tgtEl>
+                                        <p:attrNameLst>
+                                          <p:attrName>ppt_x</p:attrName>
+                                        </p:attrNameLst>
+                                      </p:cBhvr>
+                                      <p:tavLst>
+                                        <p:tav tm="0">
+                                          <p:val>
+                                            <p:strVal val="#ppt_x"/>
+                                          </p:val>
+                                        </p:tav>
+                                        <p:tav tm="100000">
+                                          <p:val>
+                                            <p:strVal val="#ppt_x"/>
+                                          </p:val>
+                                        </p:tav>
+                                      </p:tavLst>
+                                    </p:anim>
+                                    <p:anim calcmode="lin" valueType="num">
+                                      <p:cBhvr additive="base">
+                                        <p:cTn id="14" dur="500" fill="hold"/>
+                                        <p:tgtEl>
+                                          <p:spTgt spid="3">
+                                            <p:txEl>
+                                              <p:pRg st="1" end="1"/>
+                                            </p:txEl>
+                                          </p:spTgt>
+                                        </p:tgtEl>
+                                        <p:attrNameLst>
+                                          <p:attrName>ppt_y</p:attrName>
+                                        </p:attrNameLst>
+                                      </p:cBhvr>
+                                      <p:tavLst>
+                                        <p:tav tm="0">
+                                          <p:val>
+                                            <p:strVal val="1+#ppt_h/2"/>
+                                          </p:val>
+                                        </p:tav>
+                                        <p:tav tm="100000">
+                                          <p:val>
+                                            <p:strVal val="#ppt_y"/>
+                                          </p:val>
+                                        </p:tav>
+                                      </p:tavLst>
+                                    </p:anim>
+                                  </p:childTnLst>
+                                </p:cTn>
+                              </p:par>
+                            </p:childTnLst>
+                          </p:cTn>
+                        </p:par>
+                      </p:childTnLst>
+                    </p:cTn>
+                  </p:par>
+                  <p:par>
+                    <p:cTn id="15" fill="hold">
+                      <p:stCondLst>
+                        <p:cond delay="indefinite"/>
+                      </p:stCondLst>
+                      <p:childTnLst>
+                        <p:par>
+                          <p:cTn id="16" fill="hold">
+                            <p:stCondLst>
+                              <p:cond delay="0"/>
+                            </p:stCondLst>
+                            <p:childTnLst>
+                              <p:par>
+                                <p:cTn id="17" presetID="2" presetClass="entr" presetSubtype="4" fill="hold" grpId="0" nodeType="clickEffect">
+                                  <p:stCondLst>
+                                    <p:cond delay="0"/>
+                                  </p:stCondLst>
+                                  <p:childTnLst>
+                                    <p:set>
+                                      <p:cBhvr>
+                                        <p:cTn id="18" dur="1" fill="hold">
+                                          <p:stCondLst>
+                                            <p:cond delay="0"/>
+                                          </p:stCondLst>
+                                        </p:cTn>
+                                        <p:tgtEl>
+                                          <p:spTgt spid="3">
+                                            <p:txEl>
+                                              <p:pRg st="2" end="2"/>
+                                            </p:txEl>
+                                          </p:spTgt>
+                                        </p:tgtEl>
+                                        <p:attrNameLst>
+                                          <p:attrName>style.visibility</p:attrName>
+                                        </p:attrNameLst>
+                                      </p:cBhvr>
+                                      <p:to>
+                                        <p:strVal val="visible"/>
+                                      </p:to>
+                                    </p:set>
+                                    <p:anim calcmode="lin" valueType="num">
+                                      <p:cBhvr additive="base">
+                                        <p:cTn id="19" dur="500" fill="hold"/>
+                                        <p:tgtEl>
+                                          <p:spTgt spid="3">
+                                            <p:txEl>
+                                              <p:pRg st="2" end="2"/>
+                                            </p:txEl>
+                                          </p:spTgt>
+                                        </p:tgtEl>
+                                        <p:attrNameLst>
+                                          <p:attrName>ppt_x</p:attrName>
+                                        </p:attrNameLst>
+                                      </p:cBhvr>
+                                      <p:tavLst>
+                                        <p:tav tm="0">
+                                          <p:val>
+                                            <p:strVal val="#ppt_x"/>
+                                          </p:val>
+                                        </p:tav>
+                                        <p:tav tm="100000">
+                                          <p:val>
+                                            <p:strVal val="#ppt_x"/>
+                                          </p:val>
+                                        </p:tav>
+                                      </p:tavLst>
+                                    </p:anim>
+                                    <p:anim calcmode="lin" valueType="num">
+                                      <p:cBhvr additive="base">
+                                        <p:cTn id="20" dur="500" fill="hold"/>
+                                        <p:tgtEl>
+                                          <p:spTgt spid="3">
+                                            <p:txEl>
+                                              <p:pRg st="2" end="2"/>
+                                            </p:txEl>
+                                          </p:spTgt>
+                                        </p:tgtEl>
+                                        <p:attrNameLst>
+                                          <p:attrName>ppt_y</p:attrName>
+                                        </p:attrNameLst>
+                                      </p:cBhvr>
+                                      <p:tavLst>
+                                        <p:tav tm="0">
+                                          <p:val>
+                                            <p:strVal val="1+#ppt_h/2"/>
+                                          </p:val>
+                                        </p:tav>
+                                        <p:tav tm="100000">
+                                          <p:val>
+                                            <p:strVal val="#ppt_y"/>
+                                          </p:val>
+                                        </p:tav>
+                                      </p:tavLst>
+                                    </p:anim>
+                                  </p:childTnLst>
+                                </p:cTn>
+                              </p:par>
+                            </p:childTnLst>
+                          </p:cTn>
+                        </p:par>
+                      </p:childTnLst>
+                    </p:cTn>
+                  </p:par>
+                </p:childTnLst>
+              </p:cTn>
+              <p:prevCondLst>
+                <p:cond evt="onPrev" delay="0">
+                  <p:tgtEl>
+                    <p:sldTgt/>
+                  </p:tgtEl>
+                </p:cond>
+              </p:prevCondLst>
+              <p:nextCondLst>
+                <p:cond evt="onNext" delay="0">
+                  <p:tgtEl>
+                    <p:sldTgt/>
+                  </p:tgtEl>
+                </p:cond>
+              </p:nextCondLst>
+            </p:seq>
+          </p:childTnLst>
+        </p:cTn>
+      </p:par>
+    </p:tnLst>
+    <p:bldLst>
+      <p:bldP spid="3" grpId="0" build="p"/>
+    </p:bldLst>
+  </p:timing>
 </p:sld>
 </file>
 
@@ -6273,7 +6627,11 @@
           <a:bodyPr/>
           <a:lstStyle/>
           <a:p>
-            <a:endParaRPr lang="ru-BY"/>
+            <a:r>
+              <a:rPr lang="en-US" dirty="0"/>
+              <a:t>Introduction</a:t>
+            </a:r>
+            <a:endParaRPr lang="ru-BY" dirty="0"/>
           </a:p>
         </p:txBody>
       </p:sp>
@@ -6293,15 +6651,89 @@
             <p:ph sz="quarter" idx="13"/>
           </p:nvPr>
         </p:nvSpPr>
-        <p:spPr/>
-        <p:txBody>
-          <a:bodyPr/>
+        <p:spPr>
+          <a:xfrm>
+            <a:off x="2158440" y="1785320"/>
+            <a:ext cx="7875119" cy="429374"/>
+          </a:xfrm>
+        </p:spPr>
+        <p:txBody>
+          <a:bodyPr>
+            <a:normAutofit lnSpcReduction="10000"/>
+          </a:bodyPr>
           <a:lstStyle/>
           <a:p>
-            <a:endParaRPr lang="ru-BY"/>
-          </a:p>
-        </p:txBody>
-      </p:sp>
+            <a:pPr marL="0" indent="0">
+              <a:buNone/>
+            </a:pPr>
+            <a:r>
+              <a:rPr lang="en-US" dirty="0"/>
+              <a:t>E-commerce opens up new horizons for business development</a:t>
+            </a:r>
+            <a:endParaRPr lang="ru-BY" dirty="0"/>
+          </a:p>
+        </p:txBody>
+      </p:sp>
+      <p:pic>
+        <p:nvPicPr>
+          <p:cNvPr id="5" name="Рисунок 4">
+            <a:extLst>
+              <a:ext uri="{FF2B5EF4-FFF2-40B4-BE49-F238E27FC236}">
+                <a16:creationId xmlns:a16="http://schemas.microsoft.com/office/drawing/2014/main" id="{EFAD3E9A-8D56-D977-5F39-A932CAFEDC0C}"/>
+              </a:ext>
+            </a:extLst>
+          </p:cNvPr>
+          <p:cNvPicPr>
+            <a:picLocks noChangeAspect="1"/>
+          </p:cNvPicPr>
+          <p:nvPr/>
+        </p:nvPicPr>
+        <p:blipFill>
+          <a:blip r:embed="rId2"/>
+          <a:stretch>
+            <a:fillRect/>
+          </a:stretch>
+        </p:blipFill>
+        <p:spPr>
+          <a:xfrm>
+            <a:off x="181520" y="2607901"/>
+            <a:ext cx="5914479" cy="3631582"/>
+          </a:xfrm>
+          <a:prstGeom prst="rect">
+            <a:avLst/>
+          </a:prstGeom>
+        </p:spPr>
+      </p:pic>
+      <p:pic>
+        <p:nvPicPr>
+          <p:cNvPr id="7" name="Рисунок 6">
+            <a:extLst>
+              <a:ext uri="{FF2B5EF4-FFF2-40B4-BE49-F238E27FC236}">
+                <a16:creationId xmlns:a16="http://schemas.microsoft.com/office/drawing/2014/main" id="{3A75DBCB-1C17-13CC-8809-B0C9301CB374}"/>
+              </a:ext>
+            </a:extLst>
+          </p:cNvPr>
+          <p:cNvPicPr>
+            <a:picLocks noChangeAspect="1"/>
+          </p:cNvPicPr>
+          <p:nvPr/>
+        </p:nvPicPr>
+        <p:blipFill>
+          <a:blip r:embed="rId3"/>
+          <a:stretch>
+            <a:fillRect/>
+          </a:stretch>
+        </p:blipFill>
+        <p:spPr>
+          <a:xfrm>
+            <a:off x="6361353" y="2607901"/>
+            <a:ext cx="5649127" cy="3631582"/>
+          </a:xfrm>
+          <a:prstGeom prst="rect">
+            <a:avLst/>
+          </a:prstGeom>
+        </p:spPr>
+      </p:pic>
     </p:spTree>
     <p:extLst>
       <p:ext uri="{BB962C8B-B14F-4D97-AF65-F5344CB8AC3E}">
@@ -6312,6 +6744,1303 @@
   <p:clrMapOvr>
     <a:masterClrMapping/>
   </p:clrMapOvr>
+</p:sld>
+</file>
+
+<file path=ppt/slides/slide3.xml><?xml version="1.0" encoding="utf-8"?>
+<p:sld xmlns:a="http://schemas.openxmlformats.org/drawingml/2006/main" xmlns:r="http://schemas.openxmlformats.org/officeDocument/2006/relationships" xmlns:p="http://schemas.openxmlformats.org/presentationml/2006/main">
+  <p:cSld>
+    <p:spTree>
+      <p:nvGrpSpPr>
+        <p:cNvPr id="1" name=""/>
+        <p:cNvGrpSpPr/>
+        <p:nvPr/>
+      </p:nvGrpSpPr>
+      <p:grpSpPr>
+        <a:xfrm>
+          <a:off x="0" y="0"/>
+          <a:ext cx="0" cy="0"/>
+          <a:chOff x="0" y="0"/>
+          <a:chExt cx="0" cy="0"/>
+        </a:xfrm>
+      </p:grpSpPr>
+      <p:sp>
+        <p:nvSpPr>
+          <p:cNvPr id="2" name="Заголовок 1">
+            <a:extLst>
+              <a:ext uri="{FF2B5EF4-FFF2-40B4-BE49-F238E27FC236}">
+                <a16:creationId xmlns:a16="http://schemas.microsoft.com/office/drawing/2014/main" id="{B03C53AF-DB78-9470-5F34-C0E3CB62B367}"/>
+              </a:ext>
+            </a:extLst>
+          </p:cNvPr>
+          <p:cNvSpPr>
+            <a:spLocks noGrp="1"/>
+          </p:cNvSpPr>
+          <p:nvPr>
+            <p:ph type="title"/>
+          </p:nvPr>
+        </p:nvSpPr>
+        <p:spPr/>
+        <p:txBody>
+          <a:bodyPr/>
+          <a:lstStyle/>
+          <a:p>
+            <a:r>
+              <a:rPr lang="en-US" b="0" i="0" dirty="0">
+                <a:solidFill>
+                  <a:srgbClr val="000000"/>
+                </a:solidFill>
+                <a:effectLst/>
+                <a:latin typeface="Linux Libertine"/>
+              </a:rPr>
+              <a:t>E-commerce</a:t>
+            </a:r>
+            <a:br>
+              <a:rPr lang="en-US" b="0" i="0" dirty="0">
+                <a:solidFill>
+                  <a:srgbClr val="000000"/>
+                </a:solidFill>
+                <a:effectLst/>
+                <a:latin typeface="Linux Libertine"/>
+              </a:rPr>
+            </a:br>
+            <a:endParaRPr lang="ru-RU" dirty="0"/>
+          </a:p>
+        </p:txBody>
+      </p:sp>
+      <p:pic>
+        <p:nvPicPr>
+          <p:cNvPr id="9" name="Объект 8">
+            <a:extLst>
+              <a:ext uri="{FF2B5EF4-FFF2-40B4-BE49-F238E27FC236}">
+                <a16:creationId xmlns:a16="http://schemas.microsoft.com/office/drawing/2014/main" id="{DB3FB043-4AF7-B94F-F030-9CBF5CC2EBEF}"/>
+              </a:ext>
+            </a:extLst>
+          </p:cNvPr>
+          <p:cNvPicPr>
+            <a:picLocks noGrp="1" noChangeAspect="1"/>
+          </p:cNvPicPr>
+          <p:nvPr>
+            <p:ph sz="quarter" idx="13"/>
+          </p:nvPr>
+        </p:nvPicPr>
+        <p:blipFill>
+          <a:blip r:embed="rId2">
+            <a:extLst>
+              <a:ext uri="{28A0092B-C50C-407E-A947-70E740481C1C}">
+                <a14:useLocalDpi xmlns:a14="http://schemas.microsoft.com/office/drawing/2010/main" val="0"/>
+              </a:ext>
+            </a:extLst>
+          </a:blip>
+          <a:stretch>
+            <a:fillRect/>
+          </a:stretch>
+        </p:blipFill>
+        <p:spPr>
+          <a:xfrm>
+            <a:off x="2327922" y="1717789"/>
+            <a:ext cx="7536156" cy="4521694"/>
+          </a:xfrm>
+        </p:spPr>
+      </p:pic>
+    </p:spTree>
+    <p:extLst>
+      <p:ext uri="{BB962C8B-B14F-4D97-AF65-F5344CB8AC3E}">
+        <p14:creationId xmlns:p14="http://schemas.microsoft.com/office/powerpoint/2010/main" val="3084087889"/>
+      </p:ext>
+    </p:extLst>
+  </p:cSld>
+  <p:clrMapOvr>
+    <a:masterClrMapping/>
+  </p:clrMapOvr>
+</p:sld>
+</file>
+
+<file path=ppt/slides/slide4.xml><?xml version="1.0" encoding="utf-8"?>
+<p:sld xmlns:a="http://schemas.openxmlformats.org/drawingml/2006/main" xmlns:r="http://schemas.openxmlformats.org/officeDocument/2006/relationships" xmlns:p="http://schemas.openxmlformats.org/presentationml/2006/main">
+  <p:cSld>
+    <p:spTree>
+      <p:nvGrpSpPr>
+        <p:cNvPr id="1" name=""/>
+        <p:cNvGrpSpPr/>
+        <p:nvPr/>
+      </p:nvGrpSpPr>
+      <p:grpSpPr>
+        <a:xfrm>
+          <a:off x="0" y="0"/>
+          <a:ext cx="0" cy="0"/>
+          <a:chOff x="0" y="0"/>
+          <a:chExt cx="0" cy="0"/>
+        </a:xfrm>
+      </p:grpSpPr>
+      <p:sp>
+        <p:nvSpPr>
+          <p:cNvPr id="2" name="Заголовок 1">
+            <a:extLst>
+              <a:ext uri="{FF2B5EF4-FFF2-40B4-BE49-F238E27FC236}">
+                <a16:creationId xmlns:a16="http://schemas.microsoft.com/office/drawing/2014/main" id="{BF740654-7412-5153-F3B0-97340907F96A}"/>
+              </a:ext>
+            </a:extLst>
+          </p:cNvPr>
+          <p:cNvSpPr>
+            <a:spLocks noGrp="1"/>
+          </p:cNvSpPr>
+          <p:nvPr>
+            <p:ph type="title"/>
+          </p:nvPr>
+        </p:nvSpPr>
+        <p:spPr/>
+        <p:txBody>
+          <a:bodyPr/>
+          <a:lstStyle/>
+          <a:p>
+            <a:r>
+              <a:rPr lang="en-US" dirty="0"/>
+              <a:t>Inventory management is one of the main problems of managing a B2B solution</a:t>
+            </a:r>
+            <a:endParaRPr lang="ru-RU" dirty="0"/>
+          </a:p>
+        </p:txBody>
+      </p:sp>
+      <p:sp>
+        <p:nvSpPr>
+          <p:cNvPr id="3" name="Объект 2">
+            <a:extLst>
+              <a:ext uri="{FF2B5EF4-FFF2-40B4-BE49-F238E27FC236}">
+                <a16:creationId xmlns:a16="http://schemas.microsoft.com/office/drawing/2014/main" id="{1BEB6EBA-72AA-A89F-C860-D48DB6A95127}"/>
+              </a:ext>
+            </a:extLst>
+          </p:cNvPr>
+          <p:cNvSpPr>
+            <a:spLocks noGrp="1"/>
+          </p:cNvSpPr>
+          <p:nvPr>
+            <p:ph sz="quarter" idx="13"/>
+          </p:nvPr>
+        </p:nvSpPr>
+        <p:spPr>
+          <a:xfrm>
+            <a:off x="914399" y="2020862"/>
+            <a:ext cx="10363826" cy="3424107"/>
+          </a:xfrm>
+        </p:spPr>
+        <p:txBody>
+          <a:bodyPr/>
+          <a:lstStyle/>
+          <a:p>
+            <a:pPr marL="0" indent="0" algn="ctr">
+              <a:buNone/>
+            </a:pPr>
+            <a:r>
+              <a:rPr lang="en-US" sz="1800" dirty="0">
+                <a:effectLst/>
+                <a:latin typeface="Times New Roman" panose="02020603050405020304" pitchFamily="18" charset="0"/>
+                <a:ea typeface="Calibri" panose="020F0502020204030204" pitchFamily="34" charset="0"/>
+                <a:cs typeface="Times New Roman" panose="02020603050405020304" pitchFamily="18" charset="0"/>
+              </a:rPr>
+              <a:t>The inventory management system is a set of measures for the creation and replenishment of stocks, the organization of continuous monitoring and operational planning of supplies. </a:t>
+            </a:r>
+            <a:endParaRPr lang="ru-RU" sz="1800" dirty="0">
+              <a:effectLst/>
+              <a:latin typeface="Calibri" panose="020F0502020204030204" pitchFamily="34" charset="0"/>
+              <a:ea typeface="Calibri" panose="020F0502020204030204" pitchFamily="34" charset="0"/>
+              <a:cs typeface="Times New Roman" panose="02020603050405020304" pitchFamily="18" charset="0"/>
+            </a:endParaRPr>
+          </a:p>
+          <a:p>
+            <a:pPr algn="ctr"/>
+            <a:endParaRPr lang="ru-RU" dirty="0"/>
+          </a:p>
+        </p:txBody>
+      </p:sp>
+      <p:pic>
+        <p:nvPicPr>
+          <p:cNvPr id="1026" name="Picture 2">
+            <a:extLst>
+              <a:ext uri="{FF2B5EF4-FFF2-40B4-BE49-F238E27FC236}">
+                <a16:creationId xmlns:a16="http://schemas.microsoft.com/office/drawing/2014/main" id="{82081A20-3187-B154-9525-7411300D6EAB}"/>
+              </a:ext>
+            </a:extLst>
+          </p:cNvPr>
+          <p:cNvPicPr>
+            <a:picLocks noChangeAspect="1" noChangeArrowheads="1"/>
+          </p:cNvPicPr>
+          <p:nvPr/>
+        </p:nvPicPr>
+        <p:blipFill>
+          <a:blip r:embed="rId2">
+            <a:extLst>
+              <a:ext uri="{28A0092B-C50C-407E-A947-70E740481C1C}">
+                <a14:useLocalDpi xmlns:a14="http://schemas.microsoft.com/office/drawing/2010/main" val="0"/>
+              </a:ext>
+            </a:extLst>
+          </a:blip>
+          <a:srcRect/>
+          <a:stretch>
+            <a:fillRect/>
+          </a:stretch>
+        </p:blipFill>
+        <p:spPr bwMode="auto">
+          <a:xfrm>
+            <a:off x="991340" y="3212136"/>
+            <a:ext cx="5104660" cy="3379285"/>
+          </a:xfrm>
+          <a:prstGeom prst="rect">
+            <a:avLst/>
+          </a:prstGeom>
+          <a:noFill/>
+          <a:extLst>
+            <a:ext uri="{909E8E84-426E-40DD-AFC4-6F175D3DCCD1}">
+              <a14:hiddenFill xmlns:a14="http://schemas.microsoft.com/office/drawing/2010/main">
+                <a:solidFill>
+                  <a:srgbClr val="FFFFFF"/>
+                </a:solidFill>
+              </a14:hiddenFill>
+            </a:ext>
+          </a:extLst>
+        </p:spPr>
+      </p:pic>
+      <p:pic>
+        <p:nvPicPr>
+          <p:cNvPr id="1028" name="Picture 4" descr="ERP Inventory Management Software Modules (Features &amp; Types)">
+            <a:extLst>
+              <a:ext uri="{FF2B5EF4-FFF2-40B4-BE49-F238E27FC236}">
+                <a16:creationId xmlns:a16="http://schemas.microsoft.com/office/drawing/2014/main" id="{ECD10727-CC3E-4F31-AB20-C444CFC353AC}"/>
+              </a:ext>
+            </a:extLst>
+          </p:cNvPr>
+          <p:cNvPicPr>
+            <a:picLocks noChangeAspect="1" noChangeArrowheads="1"/>
+          </p:cNvPicPr>
+          <p:nvPr/>
+        </p:nvPicPr>
+        <p:blipFill>
+          <a:blip r:embed="rId3">
+            <a:extLst>
+              <a:ext uri="{28A0092B-C50C-407E-A947-70E740481C1C}">
+                <a14:useLocalDpi xmlns:a14="http://schemas.microsoft.com/office/drawing/2010/main" val="0"/>
+              </a:ext>
+            </a:extLst>
+          </a:blip>
+          <a:srcRect/>
+          <a:stretch>
+            <a:fillRect/>
+          </a:stretch>
+        </p:blipFill>
+        <p:spPr bwMode="auto">
+          <a:xfrm>
+            <a:off x="6375959" y="3213939"/>
+            <a:ext cx="4503308" cy="3377481"/>
+          </a:xfrm>
+          <a:prstGeom prst="rect">
+            <a:avLst/>
+          </a:prstGeom>
+          <a:noFill/>
+          <a:extLst>
+            <a:ext uri="{909E8E84-426E-40DD-AFC4-6F175D3DCCD1}">
+              <a14:hiddenFill xmlns:a14="http://schemas.microsoft.com/office/drawing/2010/main">
+                <a:solidFill>
+                  <a:srgbClr val="FFFFFF"/>
+                </a:solidFill>
+              </a14:hiddenFill>
+            </a:ext>
+          </a:extLst>
+        </p:spPr>
+      </p:pic>
+    </p:spTree>
+    <p:extLst>
+      <p:ext uri="{BB962C8B-B14F-4D97-AF65-F5344CB8AC3E}">
+        <p14:creationId xmlns:p14="http://schemas.microsoft.com/office/powerpoint/2010/main" val="1457890249"/>
+      </p:ext>
+    </p:extLst>
+  </p:cSld>
+  <p:clrMapOvr>
+    <a:masterClrMapping/>
+  </p:clrMapOvr>
+</p:sld>
+</file>
+
+<file path=ppt/slides/slide5.xml><?xml version="1.0" encoding="utf-8"?>
+<p:sld xmlns:a="http://schemas.openxmlformats.org/drawingml/2006/main" xmlns:r="http://schemas.openxmlformats.org/officeDocument/2006/relationships" xmlns:p="http://schemas.openxmlformats.org/presentationml/2006/main">
+  <p:cSld>
+    <p:spTree>
+      <p:nvGrpSpPr>
+        <p:cNvPr id="1" name=""/>
+        <p:cNvGrpSpPr/>
+        <p:nvPr/>
+      </p:nvGrpSpPr>
+      <p:grpSpPr>
+        <a:xfrm>
+          <a:off x="0" y="0"/>
+          <a:ext cx="0" cy="0"/>
+          <a:chOff x="0" y="0"/>
+          <a:chExt cx="0" cy="0"/>
+        </a:xfrm>
+      </p:grpSpPr>
+      <p:sp>
+        <p:nvSpPr>
+          <p:cNvPr id="2" name="Заголовок 1">
+            <a:extLst>
+              <a:ext uri="{FF2B5EF4-FFF2-40B4-BE49-F238E27FC236}">
+                <a16:creationId xmlns:a16="http://schemas.microsoft.com/office/drawing/2014/main" id="{B9E83B1B-B77C-84FD-EFD7-1C0973F87E06}"/>
+              </a:ext>
+            </a:extLst>
+          </p:cNvPr>
+          <p:cNvSpPr>
+            <a:spLocks noGrp="1"/>
+          </p:cNvSpPr>
+          <p:nvPr>
+            <p:ph type="title"/>
+          </p:nvPr>
+        </p:nvSpPr>
+        <p:spPr/>
+        <p:txBody>
+          <a:bodyPr>
+            <a:normAutofit fontScale="90000"/>
+          </a:bodyPr>
+          <a:lstStyle/>
+          <a:p>
+            <a:r>
+              <a:rPr lang="en-US" dirty="0"/>
+              <a:t>a single-product static model with "gaps" in inventory management prices with instant replenishment of inventory in the absence of a shortage.</a:t>
+            </a:r>
+            <a:endParaRPr lang="ru-RU" dirty="0"/>
+          </a:p>
+        </p:txBody>
+      </p:sp>
+      <p:sp>
+        <p:nvSpPr>
+          <p:cNvPr id="3" name="Объект 2">
+            <a:extLst>
+              <a:ext uri="{FF2B5EF4-FFF2-40B4-BE49-F238E27FC236}">
+                <a16:creationId xmlns:a16="http://schemas.microsoft.com/office/drawing/2014/main" id="{C2229FF3-9415-3127-BEAC-9753D476FD2B}"/>
+              </a:ext>
+            </a:extLst>
+          </p:cNvPr>
+          <p:cNvSpPr>
+            <a:spLocks noGrp="1"/>
+          </p:cNvSpPr>
+          <p:nvPr>
+            <p:ph sz="quarter" idx="13"/>
+          </p:nvPr>
+        </p:nvSpPr>
+        <p:spPr/>
+        <p:txBody>
+          <a:bodyPr>
+            <a:normAutofit fontScale="92500" lnSpcReduction="10000"/>
+          </a:bodyPr>
+          <a:lstStyle/>
+          <a:p>
+            <a:r>
+              <a:rPr lang="en-US" dirty="0"/>
+              <a:t>Acquisition costs per unit of time</a:t>
+            </a:r>
+            <a:r>
+              <a:rPr lang="ru-RU" dirty="0"/>
+              <a:t>:                                   </a:t>
+            </a:r>
+            <a:r>
+              <a:rPr lang="en-US" dirty="0"/>
+              <a:t>c - unit price, D - demand intensity.</a:t>
+            </a:r>
+          </a:p>
+          <a:p>
+            <a:endParaRPr lang="en-US" dirty="0"/>
+          </a:p>
+          <a:p>
+            <a:r>
+              <a:rPr lang="en-US" dirty="0"/>
+              <a:t>Total costs per unit of time: </a:t>
+            </a:r>
+            <a:r>
+              <a:rPr lang="ru-RU" dirty="0"/>
+              <a:t> </a:t>
+            </a:r>
+            <a:endParaRPr lang="en-US" dirty="0"/>
+          </a:p>
+          <a:p>
+            <a:endParaRPr lang="en-US" dirty="0"/>
+          </a:p>
+          <a:p>
+            <a:endParaRPr lang="en-US" dirty="0"/>
+          </a:p>
+          <a:p>
+            <a:endParaRPr lang="en-US" dirty="0"/>
+          </a:p>
+          <a:p>
+            <a:r>
+              <a:rPr lang="en-US" dirty="0"/>
+              <a:t>Graphs of these two functions: </a:t>
+            </a:r>
+            <a:endParaRPr lang="ru-RU" dirty="0"/>
+          </a:p>
+        </p:txBody>
+      </p:sp>
+      <p:sp>
+        <p:nvSpPr>
+          <p:cNvPr id="4" name="Rectangle 2">
+            <a:extLst>
+              <a:ext uri="{FF2B5EF4-FFF2-40B4-BE49-F238E27FC236}">
+                <a16:creationId xmlns:a16="http://schemas.microsoft.com/office/drawing/2014/main" id="{3D54CC0E-7BC0-FADB-FC4A-29C5FACECE92}"/>
+              </a:ext>
+            </a:extLst>
+          </p:cNvPr>
+          <p:cNvSpPr>
+            <a:spLocks noChangeArrowheads="1"/>
+          </p:cNvSpPr>
+          <p:nvPr/>
+        </p:nvSpPr>
+        <p:spPr bwMode="auto">
+          <a:xfrm>
+            <a:off x="0" y="0"/>
+            <a:ext cx="12192000" cy="0"/>
+          </a:xfrm>
+          <a:prstGeom prst="rect">
+            <a:avLst/>
+          </a:prstGeom>
+          <a:noFill/>
+          <a:ln>
+            <a:noFill/>
+          </a:ln>
+          <a:effectLst/>
+          <a:extLst>
+            <a:ext uri="{909E8E84-426E-40DD-AFC4-6F175D3DCCD1}">
+              <a14:hiddenFill xmlns:a14="http://schemas.microsoft.com/office/drawing/2010/main">
+                <a:solidFill>
+                  <a:schemeClr val="accent1"/>
+                </a:solidFill>
+              </a14:hiddenFill>
+            </a:ext>
+            <a:ext uri="{91240B29-F687-4F45-9708-019B960494DF}">
+              <a14:hiddenLine xmlns:a14="http://schemas.microsoft.com/office/drawing/2010/main" w="9525">
+                <a:solidFill>
+                  <a:schemeClr val="tx1"/>
+                </a:solidFill>
+                <a:miter lim="800000"/>
+                <a:headEnd/>
+                <a:tailEnd/>
+              </a14:hiddenLine>
+            </a:ext>
+            <a:ext uri="{AF507438-7753-43E0-B8FC-AC1667EBCBE1}">
+              <a14:hiddenEffects xmlns:a14="http://schemas.microsoft.com/office/drawing/2010/main">
+                <a:effectLst>
+                  <a:outerShdw dist="35921" dir="2700000" algn="ctr" rotWithShape="0">
+                    <a:schemeClr val="bg2"/>
+                  </a:outerShdw>
+                </a:effectLst>
+              </a14:hiddenEffects>
+            </a:ext>
+          </a:extLst>
+        </p:spPr>
+        <p:txBody>
+          <a:bodyPr vert="horz" wrap="none" lIns="91440" tIns="45720" rIns="91440" bIns="45720" numCol="1" anchor="ctr" anchorCtr="0" compatLnSpc="1">
+            <a:prstTxWarp prst="textNoShape">
+              <a:avLst/>
+            </a:prstTxWarp>
+            <a:spAutoFit/>
+          </a:bodyPr>
+          <a:lstStyle/>
+          <a:p>
+            <a:endParaRPr lang="ru-RU"/>
+          </a:p>
+        </p:txBody>
+      </p:sp>
+      <p:pic>
+        <p:nvPicPr>
+          <p:cNvPr id="7" name="Рисунок 6">
+            <a:extLst>
+              <a:ext uri="{FF2B5EF4-FFF2-40B4-BE49-F238E27FC236}">
+                <a16:creationId xmlns:a16="http://schemas.microsoft.com/office/drawing/2014/main" id="{8CD149F5-C08F-50FA-2053-B4DDA55B109C}"/>
+              </a:ext>
+            </a:extLst>
+          </p:cNvPr>
+          <p:cNvPicPr>
+            <a:picLocks noChangeAspect="1"/>
+          </p:cNvPicPr>
+          <p:nvPr/>
+        </p:nvPicPr>
+        <p:blipFill>
+          <a:blip r:embed="rId2"/>
+          <a:stretch>
+            <a:fillRect/>
+          </a:stretch>
+        </p:blipFill>
+        <p:spPr>
+          <a:xfrm>
+            <a:off x="5459758" y="2214694"/>
+            <a:ext cx="2380696" cy="945756"/>
+          </a:xfrm>
+          <a:prstGeom prst="rect">
+            <a:avLst/>
+          </a:prstGeom>
+        </p:spPr>
+      </p:pic>
+      <p:pic>
+        <p:nvPicPr>
+          <p:cNvPr id="9" name="Рисунок 8">
+            <a:extLst>
+              <a:ext uri="{FF2B5EF4-FFF2-40B4-BE49-F238E27FC236}">
+                <a16:creationId xmlns:a16="http://schemas.microsoft.com/office/drawing/2014/main" id="{DB4D0948-C33C-F9FE-E9A5-383F2B638BF1}"/>
+              </a:ext>
+            </a:extLst>
+          </p:cNvPr>
+          <p:cNvPicPr>
+            <a:picLocks noChangeAspect="1"/>
+          </p:cNvPicPr>
+          <p:nvPr/>
+        </p:nvPicPr>
+        <p:blipFill>
+          <a:blip r:embed="rId3"/>
+          <a:stretch>
+            <a:fillRect/>
+          </a:stretch>
+        </p:blipFill>
+        <p:spPr>
+          <a:xfrm>
+            <a:off x="4645152" y="3223602"/>
+            <a:ext cx="3726777" cy="1174538"/>
+          </a:xfrm>
+          <a:prstGeom prst="rect">
+            <a:avLst/>
+          </a:prstGeom>
+        </p:spPr>
+      </p:pic>
+      <p:pic>
+        <p:nvPicPr>
+          <p:cNvPr id="10" name="Рисунок 9">
+            <a:extLst>
+              <a:ext uri="{FF2B5EF4-FFF2-40B4-BE49-F238E27FC236}">
+                <a16:creationId xmlns:a16="http://schemas.microsoft.com/office/drawing/2014/main" id="{4D4F9D92-1352-82B2-393C-38B80440165E}"/>
+              </a:ext>
+            </a:extLst>
+          </p:cNvPr>
+          <p:cNvPicPr>
+            <a:picLocks noChangeAspect="1"/>
+          </p:cNvPicPr>
+          <p:nvPr/>
+        </p:nvPicPr>
+        <p:blipFill>
+          <a:blip r:embed="rId4">
+            <a:extLst>
+              <a:ext uri="{28A0092B-C50C-407E-A947-70E740481C1C}">
+                <a14:useLocalDpi xmlns:a14="http://schemas.microsoft.com/office/drawing/2010/main" val="0"/>
+              </a:ext>
+            </a:extLst>
+          </a:blip>
+          <a:srcRect/>
+          <a:stretch>
+            <a:fillRect/>
+          </a:stretch>
+        </p:blipFill>
+        <p:spPr bwMode="auto">
+          <a:xfrm>
+            <a:off x="5176629" y="4756627"/>
+            <a:ext cx="2663825" cy="1837055"/>
+          </a:xfrm>
+          <a:prstGeom prst="rect">
+            <a:avLst/>
+          </a:prstGeom>
+          <a:noFill/>
+          <a:ln>
+            <a:noFill/>
+          </a:ln>
+        </p:spPr>
+      </p:pic>
+    </p:spTree>
+    <p:extLst>
+      <p:ext uri="{BB962C8B-B14F-4D97-AF65-F5344CB8AC3E}">
+        <p14:creationId xmlns:p14="http://schemas.microsoft.com/office/powerpoint/2010/main" val="340798945"/>
+      </p:ext>
+    </p:extLst>
+  </p:cSld>
+  <p:clrMapOvr>
+    <a:masterClrMapping/>
+  </p:clrMapOvr>
+</p:sld>
+</file>
+
+<file path=ppt/slides/slide6.xml><?xml version="1.0" encoding="utf-8"?>
+<p:sld xmlns:a="http://schemas.openxmlformats.org/drawingml/2006/main" xmlns:r="http://schemas.openxmlformats.org/officeDocument/2006/relationships" xmlns:p="http://schemas.openxmlformats.org/presentationml/2006/main">
+  <p:cSld>
+    <p:spTree>
+      <p:nvGrpSpPr>
+        <p:cNvPr id="1" name=""/>
+        <p:cNvGrpSpPr/>
+        <p:nvPr/>
+      </p:nvGrpSpPr>
+      <p:grpSpPr>
+        <a:xfrm>
+          <a:off x="0" y="0"/>
+          <a:ext cx="0" cy="0"/>
+          <a:chOff x="0" y="0"/>
+          <a:chExt cx="0" cy="0"/>
+        </a:xfrm>
+      </p:grpSpPr>
+      <p:sp>
+        <p:nvSpPr>
+          <p:cNvPr id="3" name="Объект 2">
+            <a:extLst>
+              <a:ext uri="{FF2B5EF4-FFF2-40B4-BE49-F238E27FC236}">
+                <a16:creationId xmlns:a16="http://schemas.microsoft.com/office/drawing/2014/main" id="{6F3E2440-0E9D-7C0E-BB8E-5E35127E204C}"/>
+              </a:ext>
+            </a:extLst>
+          </p:cNvPr>
+          <p:cNvSpPr>
+            <a:spLocks noGrp="1"/>
+          </p:cNvSpPr>
+          <p:nvPr>
+            <p:ph sz="quarter" idx="13"/>
+          </p:nvPr>
+        </p:nvSpPr>
+        <p:spPr>
+          <a:xfrm>
+            <a:off x="913774" y="470518"/>
+            <a:ext cx="10363826" cy="5320682"/>
+          </a:xfrm>
+        </p:spPr>
+        <p:txBody>
+          <a:bodyPr/>
+          <a:lstStyle/>
+          <a:p>
+            <a:r>
+              <a:rPr lang="en-US" dirty="0"/>
+              <a:t>the order size at which the minimum values TCU1 and TCU2 are reached:                       D - demand intensity, K - the cost of making an order, h - the cost                         of storing an order unit.</a:t>
+            </a:r>
+          </a:p>
+          <a:p>
+            <a:r>
+              <a:rPr lang="en-US" dirty="0"/>
+              <a:t>From the type of cost function TCU1 and TCU2, it follows that the optimal order size y* depends on where the price gap point q is in relation to the three zones I, II and III shown in the figure. </a:t>
+            </a:r>
+          </a:p>
+          <a:p>
+            <a:r>
+              <a:rPr lang="en-US" dirty="0"/>
+              <a:t>Then the zones are defined as follows:</a:t>
+            </a:r>
+          </a:p>
+          <a:p>
+            <a:pPr marL="0" indent="0">
+              <a:buNone/>
+            </a:pPr>
+            <a:r>
+              <a:rPr lang="en-US" dirty="0"/>
+              <a:t> - I : </a:t>
+            </a:r>
+            <a:r>
+              <a:rPr lang="en-US" sz="1800" dirty="0">
+                <a:effectLst/>
+                <a:latin typeface="Times New Roman" panose="02020603050405020304" pitchFamily="18" charset="0"/>
+                <a:ea typeface="Calibri" panose="020F0502020204030204" pitchFamily="34" charset="0"/>
+              </a:rPr>
+              <a:t>0&lt;=q&lt; </a:t>
+            </a:r>
+            <a:r>
+              <a:rPr lang="en-US" sz="1800" dirty="0" err="1">
+                <a:effectLst/>
+                <a:latin typeface="Times New Roman" panose="02020603050405020304" pitchFamily="18" charset="0"/>
+                <a:ea typeface="Calibri" panose="020F0502020204030204" pitchFamily="34" charset="0"/>
+              </a:rPr>
+              <a:t>y</a:t>
+            </a:r>
+            <a:r>
+              <a:rPr lang="en-US" sz="1800" baseline="-25000" dirty="0" err="1">
+                <a:effectLst/>
+                <a:latin typeface="Times New Roman" panose="02020603050405020304" pitchFamily="18" charset="0"/>
+                <a:ea typeface="Calibri" panose="020F0502020204030204" pitchFamily="34" charset="0"/>
+              </a:rPr>
+              <a:t>m</a:t>
+            </a:r>
+            <a:endParaRPr lang="en-US" dirty="0"/>
+          </a:p>
+          <a:p>
+            <a:pPr marL="0" indent="0">
+              <a:buNone/>
+            </a:pPr>
+            <a:r>
+              <a:rPr lang="en-US" dirty="0"/>
+              <a:t> - ii : </a:t>
+            </a:r>
+            <a:r>
+              <a:rPr lang="en-US" sz="1800" dirty="0" err="1">
+                <a:effectLst/>
+                <a:latin typeface="Times New Roman" panose="02020603050405020304" pitchFamily="18" charset="0"/>
+                <a:ea typeface="Calibri" panose="020F0502020204030204" pitchFamily="34" charset="0"/>
+              </a:rPr>
+              <a:t>y</a:t>
+            </a:r>
+            <a:r>
+              <a:rPr lang="en-US" sz="1800" baseline="-25000" dirty="0" err="1">
+                <a:effectLst/>
+                <a:latin typeface="Times New Roman" panose="02020603050405020304" pitchFamily="18" charset="0"/>
+                <a:ea typeface="Calibri" panose="020F0502020204030204" pitchFamily="34" charset="0"/>
+              </a:rPr>
+              <a:t>m</a:t>
+            </a:r>
+            <a:r>
+              <a:rPr lang="en-US" sz="1800" dirty="0">
+                <a:effectLst/>
+                <a:latin typeface="Times New Roman" panose="02020603050405020304" pitchFamily="18" charset="0"/>
+                <a:ea typeface="Calibri" panose="020F0502020204030204" pitchFamily="34" charset="0"/>
+              </a:rPr>
+              <a:t>&lt;= q&lt; Q</a:t>
+            </a:r>
+            <a:endParaRPr lang="en-US" dirty="0"/>
+          </a:p>
+          <a:p>
+            <a:pPr marL="0" indent="0">
+              <a:buNone/>
+            </a:pPr>
+            <a:r>
+              <a:rPr lang="en-US" dirty="0"/>
+              <a:t> - iii: </a:t>
+            </a:r>
+            <a:r>
+              <a:rPr lang="be-BY" sz="1800" dirty="0">
+                <a:effectLst/>
+                <a:latin typeface="Times New Roman" panose="02020603050405020304" pitchFamily="18" charset="0"/>
+                <a:ea typeface="Calibri" panose="020F0502020204030204" pitchFamily="34" charset="0"/>
+              </a:rPr>
+              <a:t>q&gt;= </a:t>
+            </a:r>
+            <a:r>
+              <a:rPr lang="en-US" sz="1800" dirty="0">
+                <a:effectLst/>
+                <a:latin typeface="Times New Roman" panose="02020603050405020304" pitchFamily="18" charset="0"/>
+                <a:ea typeface="Calibri" panose="020F0502020204030204" pitchFamily="34" charset="0"/>
+              </a:rPr>
+              <a:t>Q</a:t>
+            </a:r>
+          </a:p>
+          <a:p>
+            <a:pPr marL="0" indent="0">
+              <a:buNone/>
+            </a:pPr>
+            <a:endParaRPr lang="en-US" sz="1800" dirty="0">
+              <a:effectLst/>
+              <a:latin typeface="Times New Roman" panose="02020603050405020304" pitchFamily="18" charset="0"/>
+              <a:ea typeface="Calibri" panose="020F0502020204030204" pitchFamily="34" charset="0"/>
+            </a:endParaRPr>
+          </a:p>
+        </p:txBody>
+      </p:sp>
+      <p:pic>
+        <p:nvPicPr>
+          <p:cNvPr id="5" name="Рисунок 4">
+            <a:extLst>
+              <a:ext uri="{FF2B5EF4-FFF2-40B4-BE49-F238E27FC236}">
+                <a16:creationId xmlns:a16="http://schemas.microsoft.com/office/drawing/2014/main" id="{DCA7C14B-7014-D074-2286-CC13790FD209}"/>
+              </a:ext>
+            </a:extLst>
+          </p:cNvPr>
+          <p:cNvPicPr>
+            <a:picLocks noChangeAspect="1"/>
+          </p:cNvPicPr>
+          <p:nvPr/>
+        </p:nvPicPr>
+        <p:blipFill>
+          <a:blip r:embed="rId2"/>
+          <a:stretch>
+            <a:fillRect/>
+          </a:stretch>
+        </p:blipFill>
+        <p:spPr>
+          <a:xfrm>
+            <a:off x="9777936" y="142746"/>
+            <a:ext cx="1762371" cy="924054"/>
+          </a:xfrm>
+          <a:prstGeom prst="rect">
+            <a:avLst/>
+          </a:prstGeom>
+        </p:spPr>
+      </p:pic>
+      <p:pic>
+        <p:nvPicPr>
+          <p:cNvPr id="8" name="Рисунок 7">
+            <a:extLst>
+              <a:ext uri="{FF2B5EF4-FFF2-40B4-BE49-F238E27FC236}">
+                <a16:creationId xmlns:a16="http://schemas.microsoft.com/office/drawing/2014/main" id="{222127BE-7C01-38B3-996B-09F7C9DC4B3B}"/>
+              </a:ext>
+            </a:extLst>
+          </p:cNvPr>
+          <p:cNvPicPr>
+            <a:picLocks noChangeAspect="1"/>
+          </p:cNvPicPr>
+          <p:nvPr/>
+        </p:nvPicPr>
+        <p:blipFill>
+          <a:blip r:embed="rId3"/>
+          <a:stretch>
+            <a:fillRect/>
+          </a:stretch>
+        </p:blipFill>
+        <p:spPr>
+          <a:xfrm>
+            <a:off x="6352369" y="2850434"/>
+            <a:ext cx="5336999" cy="3537048"/>
+          </a:xfrm>
+          <a:prstGeom prst="rect">
+            <a:avLst/>
+          </a:prstGeom>
+        </p:spPr>
+      </p:pic>
+    </p:spTree>
+    <p:extLst>
+      <p:ext uri="{BB962C8B-B14F-4D97-AF65-F5344CB8AC3E}">
+        <p14:creationId xmlns:p14="http://schemas.microsoft.com/office/powerpoint/2010/main" val="1739323286"/>
+      </p:ext>
+    </p:extLst>
+  </p:cSld>
+  <p:clrMapOvr>
+    <a:masterClrMapping/>
+  </p:clrMapOvr>
+</p:sld>
+</file>
+
+<file path=ppt/slides/slide7.xml><?xml version="1.0" encoding="utf-8"?>
+<p:sld xmlns:a="http://schemas.openxmlformats.org/drawingml/2006/main" xmlns:r="http://schemas.openxmlformats.org/officeDocument/2006/relationships" xmlns:p="http://schemas.openxmlformats.org/presentationml/2006/main">
+  <p:cSld>
+    <p:spTree>
+      <p:nvGrpSpPr>
+        <p:cNvPr id="1" name=""/>
+        <p:cNvGrpSpPr/>
+        <p:nvPr/>
+      </p:nvGrpSpPr>
+      <p:grpSpPr>
+        <a:xfrm>
+          <a:off x="0" y="0"/>
+          <a:ext cx="0" cy="0"/>
+          <a:chOff x="0" y="0"/>
+          <a:chExt cx="0" cy="0"/>
+        </a:xfrm>
+      </p:grpSpPr>
+      <p:sp>
+        <p:nvSpPr>
+          <p:cNvPr id="2" name="Заголовок 1">
+            <a:extLst>
+              <a:ext uri="{FF2B5EF4-FFF2-40B4-BE49-F238E27FC236}">
+                <a16:creationId xmlns:a16="http://schemas.microsoft.com/office/drawing/2014/main" id="{74B050D4-BD1E-8429-4963-631A86FF021F}"/>
+              </a:ext>
+            </a:extLst>
+          </p:cNvPr>
+          <p:cNvSpPr>
+            <a:spLocks noGrp="1"/>
+          </p:cNvSpPr>
+          <p:nvPr>
+            <p:ph type="title"/>
+          </p:nvPr>
+        </p:nvSpPr>
+        <p:spPr/>
+        <p:txBody>
+          <a:bodyPr/>
+          <a:lstStyle/>
+          <a:p>
+            <a:r>
+              <a:rPr lang="en-US" dirty="0"/>
+              <a:t>Software implementation</a:t>
+            </a:r>
+            <a:endParaRPr lang="ru-RU" dirty="0"/>
+          </a:p>
+        </p:txBody>
+      </p:sp>
+      <p:pic>
+        <p:nvPicPr>
+          <p:cNvPr id="4" name="Объект 3">
+            <a:extLst>
+              <a:ext uri="{FF2B5EF4-FFF2-40B4-BE49-F238E27FC236}">
+                <a16:creationId xmlns:a16="http://schemas.microsoft.com/office/drawing/2014/main" id="{590117FA-EF44-37BA-6691-9F5976DDB640}"/>
+              </a:ext>
+            </a:extLst>
+          </p:cNvPr>
+          <p:cNvPicPr>
+            <a:picLocks noGrp="1" noChangeAspect="1"/>
+          </p:cNvPicPr>
+          <p:nvPr>
+            <p:ph sz="quarter" idx="13"/>
+          </p:nvPr>
+        </p:nvPicPr>
+        <p:blipFill>
+          <a:blip r:embed="rId2"/>
+          <a:stretch>
+            <a:fillRect/>
+          </a:stretch>
+        </p:blipFill>
+        <p:spPr>
+          <a:xfrm>
+            <a:off x="913774" y="1861919"/>
+            <a:ext cx="4775651" cy="3438050"/>
+          </a:xfrm>
+          <a:prstGeom prst="rect">
+            <a:avLst/>
+          </a:prstGeom>
+        </p:spPr>
+      </p:pic>
+      <p:pic>
+        <p:nvPicPr>
+          <p:cNvPr id="5" name="Рисунок 4">
+            <a:extLst>
+              <a:ext uri="{FF2B5EF4-FFF2-40B4-BE49-F238E27FC236}">
+                <a16:creationId xmlns:a16="http://schemas.microsoft.com/office/drawing/2014/main" id="{EEF28AAF-C61A-8489-1454-73C81869F49F}"/>
+              </a:ext>
+            </a:extLst>
+          </p:cNvPr>
+          <p:cNvPicPr>
+            <a:picLocks noChangeAspect="1"/>
+          </p:cNvPicPr>
+          <p:nvPr/>
+        </p:nvPicPr>
+        <p:blipFill>
+          <a:blip r:embed="rId3"/>
+          <a:stretch>
+            <a:fillRect/>
+          </a:stretch>
+        </p:blipFill>
+        <p:spPr>
+          <a:xfrm>
+            <a:off x="6265847" y="1696736"/>
+            <a:ext cx="5012378" cy="3603233"/>
+          </a:xfrm>
+          <a:prstGeom prst="rect">
+            <a:avLst/>
+          </a:prstGeom>
+        </p:spPr>
+      </p:pic>
+    </p:spTree>
+    <p:extLst>
+      <p:ext uri="{BB962C8B-B14F-4D97-AF65-F5344CB8AC3E}">
+        <p14:creationId xmlns:p14="http://schemas.microsoft.com/office/powerpoint/2010/main" val="398257164"/>
+      </p:ext>
+    </p:extLst>
+  </p:cSld>
+  <p:clrMapOvr>
+    <a:masterClrMapping/>
+  </p:clrMapOvr>
+</p:sld>
+</file>
+
+<file path=ppt/slides/slide8.xml><?xml version="1.0" encoding="utf-8"?>
+<p:sld xmlns:a="http://schemas.openxmlformats.org/drawingml/2006/main" xmlns:r="http://schemas.openxmlformats.org/officeDocument/2006/relationships" xmlns:p="http://schemas.openxmlformats.org/presentationml/2006/main">
+  <p:cSld>
+    <p:spTree>
+      <p:nvGrpSpPr>
+        <p:cNvPr id="1" name=""/>
+        <p:cNvGrpSpPr/>
+        <p:nvPr/>
+      </p:nvGrpSpPr>
+      <p:grpSpPr>
+        <a:xfrm>
+          <a:off x="0" y="0"/>
+          <a:ext cx="0" cy="0"/>
+          <a:chOff x="0" y="0"/>
+          <a:chExt cx="0" cy="0"/>
+        </a:xfrm>
+      </p:grpSpPr>
+      <p:sp>
+        <p:nvSpPr>
+          <p:cNvPr id="2" name="Заголовок 1">
+            <a:extLst>
+              <a:ext uri="{FF2B5EF4-FFF2-40B4-BE49-F238E27FC236}">
+                <a16:creationId xmlns:a16="http://schemas.microsoft.com/office/drawing/2014/main" id="{1F49143B-FFC8-B3FA-316D-49FF335B9367}"/>
+              </a:ext>
+            </a:extLst>
+          </p:cNvPr>
+          <p:cNvSpPr>
+            <a:spLocks noGrp="1"/>
+          </p:cNvSpPr>
+          <p:nvPr>
+            <p:ph type="title"/>
+          </p:nvPr>
+        </p:nvSpPr>
+        <p:spPr/>
+        <p:txBody>
+          <a:bodyPr/>
+          <a:lstStyle/>
+          <a:p>
+            <a:r>
+              <a:rPr lang="en-US" dirty="0"/>
+              <a:t>Conclusion</a:t>
+            </a:r>
+            <a:endParaRPr lang="ru-RU" dirty="0"/>
+          </a:p>
+        </p:txBody>
+      </p:sp>
+      <p:sp>
+        <p:nvSpPr>
+          <p:cNvPr id="3" name="Объект 2">
+            <a:extLst>
+              <a:ext uri="{FF2B5EF4-FFF2-40B4-BE49-F238E27FC236}">
+                <a16:creationId xmlns:a16="http://schemas.microsoft.com/office/drawing/2014/main" id="{D95A255C-8655-F3FF-C889-C46D15823931}"/>
+              </a:ext>
+            </a:extLst>
+          </p:cNvPr>
+          <p:cNvSpPr>
+            <a:spLocks noGrp="1"/>
+          </p:cNvSpPr>
+          <p:nvPr>
+            <p:ph sz="quarter" idx="13"/>
+          </p:nvPr>
+        </p:nvSpPr>
+        <p:spPr>
+          <a:xfrm>
+            <a:off x="913774" y="2367092"/>
+            <a:ext cx="5407127" cy="3424107"/>
+          </a:xfrm>
+        </p:spPr>
+        <p:txBody>
+          <a:bodyPr>
+            <a:normAutofit fontScale="92500" lnSpcReduction="20000"/>
+          </a:bodyPr>
+          <a:lstStyle/>
+          <a:p>
+            <a:pPr marL="0" indent="0">
+              <a:buNone/>
+            </a:pPr>
+            <a:r>
+              <a:rPr lang="en-US" dirty="0"/>
+              <a:t>In this course project, current inventory management algorithms were considered and studied, which can be used as a component of the business process when managing a modern online store. The chosen algorithm of a single-product static model with "gaps" in prices has been adapted for software implementation. Subsequently, a software implementation of this algorithm was performed and testing was performed.</a:t>
+            </a:r>
+            <a:endParaRPr lang="ru-RU" dirty="0"/>
+          </a:p>
+        </p:txBody>
+      </p:sp>
+      <p:pic>
+        <p:nvPicPr>
+          <p:cNvPr id="5" name="Рисунок 4">
+            <a:extLst>
+              <a:ext uri="{FF2B5EF4-FFF2-40B4-BE49-F238E27FC236}">
+                <a16:creationId xmlns:a16="http://schemas.microsoft.com/office/drawing/2014/main" id="{10D8826C-92D0-C678-2055-35E7E184A61D}"/>
+              </a:ext>
+            </a:extLst>
+          </p:cNvPr>
+          <p:cNvPicPr>
+            <a:picLocks noChangeAspect="1"/>
+          </p:cNvPicPr>
+          <p:nvPr/>
+        </p:nvPicPr>
+        <p:blipFill>
+          <a:blip r:embed="rId2"/>
+          <a:stretch>
+            <a:fillRect/>
+          </a:stretch>
+        </p:blipFill>
+        <p:spPr>
+          <a:xfrm>
+            <a:off x="6320901" y="2307167"/>
+            <a:ext cx="5816199" cy="3424108"/>
+          </a:xfrm>
+          <a:prstGeom prst="rect">
+            <a:avLst/>
+          </a:prstGeom>
+        </p:spPr>
+      </p:pic>
+    </p:spTree>
+    <p:extLst>
+      <p:ext uri="{BB962C8B-B14F-4D97-AF65-F5344CB8AC3E}">
+        <p14:creationId xmlns:p14="http://schemas.microsoft.com/office/powerpoint/2010/main" val="1982118092"/>
+      </p:ext>
+    </p:extLst>
+  </p:cSld>
+  <p:clrMapOvr>
+    <a:masterClrMapping/>
+  </p:clrMapOvr>
+</p:sld>
+</file>
+
+<file path=ppt/slides/slide9.xml><?xml version="1.0" encoding="utf-8"?>
+<p:sld xmlns:a="http://schemas.openxmlformats.org/drawingml/2006/main" xmlns:r="http://schemas.openxmlformats.org/officeDocument/2006/relationships" xmlns:p="http://schemas.openxmlformats.org/presentationml/2006/main">
+  <p:cSld>
+    <p:spTree>
+      <p:nvGrpSpPr>
+        <p:cNvPr id="1" name=""/>
+        <p:cNvGrpSpPr/>
+        <p:nvPr/>
+      </p:nvGrpSpPr>
+      <p:grpSpPr>
+        <a:xfrm>
+          <a:off x="0" y="0"/>
+          <a:ext cx="0" cy="0"/>
+          <a:chOff x="0" y="0"/>
+          <a:chExt cx="0" cy="0"/>
+        </a:xfrm>
+      </p:grpSpPr>
+      <p:sp>
+        <p:nvSpPr>
+          <p:cNvPr id="2" name="Заголовок 1">
+            <a:extLst>
+              <a:ext uri="{FF2B5EF4-FFF2-40B4-BE49-F238E27FC236}">
+                <a16:creationId xmlns:a16="http://schemas.microsoft.com/office/drawing/2014/main" id="{7FF0C4A5-C62C-3186-0917-DE20DC39B80E}"/>
+              </a:ext>
+            </a:extLst>
+          </p:cNvPr>
+          <p:cNvSpPr>
+            <a:spLocks noGrp="1"/>
+          </p:cNvSpPr>
+          <p:nvPr>
+            <p:ph type="title"/>
+          </p:nvPr>
+        </p:nvSpPr>
+        <p:spPr>
+          <a:xfrm>
+            <a:off x="913775" y="618517"/>
+            <a:ext cx="10364451" cy="5888815"/>
+          </a:xfrm>
+        </p:spPr>
+        <p:txBody>
+          <a:bodyPr>
+            <a:normAutofit/>
+          </a:bodyPr>
+          <a:lstStyle/>
+          <a:p>
+            <a:r>
+              <a:rPr lang="en-US" sz="7200" dirty="0"/>
+              <a:t>Thanks for your time!</a:t>
+            </a:r>
+            <a:endParaRPr lang="ru-RU" sz="7200" dirty="0"/>
+          </a:p>
+        </p:txBody>
+      </p:sp>
+    </p:spTree>
+    <p:extLst>
+      <p:ext uri="{BB962C8B-B14F-4D97-AF65-F5344CB8AC3E}">
+        <p14:creationId xmlns:p14="http://schemas.microsoft.com/office/powerpoint/2010/main" val="2629670043"/>
+      </p:ext>
+    </p:extLst>
+  </p:cSld>
+  <p:clrMapOvr>
+    <a:masterClrMapping/>
+  </p:clrMapOvr>
+  <p:timing>
+    <p:tnLst>
+      <p:par>
+        <p:cTn id="1" dur="indefinite" restart="never" nodeType="tmRoot">
+          <p:childTnLst>
+            <p:seq concurrent="1" nextAc="seek">
+              <p:cTn id="2" dur="indefinite" nodeType="mainSeq">
+                <p:childTnLst>
+                  <p:par>
+                    <p:cTn id="3" fill="hold">
+                      <p:stCondLst>
+                        <p:cond delay="indefinite"/>
+                      </p:stCondLst>
+                      <p:childTnLst>
+                        <p:par>
+                          <p:cTn id="4" fill="hold">
+                            <p:stCondLst>
+                              <p:cond delay="0"/>
+                            </p:stCondLst>
+                            <p:childTnLst>
+                              <p:par>
+                                <p:cTn id="5" presetID="45" presetClass="entr" presetSubtype="0" fill="hold" grpId="0" nodeType="clickEffect">
+                                  <p:stCondLst>
+                                    <p:cond delay="0"/>
+                                  </p:stCondLst>
+                                  <p:childTnLst>
+                                    <p:set>
+                                      <p:cBhvr>
+                                        <p:cTn id="6" dur="1" fill="hold">
+                                          <p:stCondLst>
+                                            <p:cond delay="0"/>
+                                          </p:stCondLst>
+                                        </p:cTn>
+                                        <p:tgtEl>
+                                          <p:spTgt spid="2"/>
+                                        </p:tgtEl>
+                                        <p:attrNameLst>
+                                          <p:attrName>style.visibility</p:attrName>
+                                        </p:attrNameLst>
+                                      </p:cBhvr>
+                                      <p:to>
+                                        <p:strVal val="visible"/>
+                                      </p:to>
+                                    </p:set>
+                                    <p:animEffect transition="in" filter="fade">
+                                      <p:cBhvr>
+                                        <p:cTn id="7" dur="2000"/>
+                                        <p:tgtEl>
+                                          <p:spTgt spid="2"/>
+                                        </p:tgtEl>
+                                      </p:cBhvr>
+                                    </p:animEffect>
+                                    <p:anim calcmode="lin" valueType="num">
+                                      <p:cBhvr>
+                                        <p:cTn id="8" dur="2000" fill="hold"/>
+                                        <p:tgtEl>
+                                          <p:spTgt spid="2"/>
+                                        </p:tgtEl>
+                                        <p:attrNameLst>
+                                          <p:attrName>ppt_w</p:attrName>
+                                        </p:attrNameLst>
+                                      </p:cBhvr>
+                                      <p:tavLst>
+                                        <p:tav tm="0" fmla="#ppt_w*sin(2.5*pi*$)">
+                                          <p:val>
+                                            <p:fltVal val="0"/>
+                                          </p:val>
+                                        </p:tav>
+                                        <p:tav tm="100000">
+                                          <p:val>
+                                            <p:fltVal val="1"/>
+                                          </p:val>
+                                        </p:tav>
+                                      </p:tavLst>
+                                    </p:anim>
+                                    <p:anim calcmode="lin" valueType="num">
+                                      <p:cBhvr>
+                                        <p:cTn id="9" dur="2000" fill="hold"/>
+                                        <p:tgtEl>
+                                          <p:spTgt spid="2"/>
+                                        </p:tgtEl>
+                                        <p:attrNameLst>
+                                          <p:attrName>ppt_h</p:attrName>
+                                        </p:attrNameLst>
+                                      </p:cBhvr>
+                                      <p:tavLst>
+                                        <p:tav tm="0">
+                                          <p:val>
+                                            <p:strVal val="#ppt_h"/>
+                                          </p:val>
+                                        </p:tav>
+                                        <p:tav tm="100000">
+                                          <p:val>
+                                            <p:strVal val="#ppt_h"/>
+                                          </p:val>
+                                        </p:tav>
+                                      </p:tavLst>
+                                    </p:anim>
+                                  </p:childTnLst>
+                                </p:cTn>
+                              </p:par>
+                            </p:childTnLst>
+                          </p:cTn>
+                        </p:par>
+                      </p:childTnLst>
+                    </p:cTn>
+                  </p:par>
+                </p:childTnLst>
+              </p:cTn>
+              <p:prevCondLst>
+                <p:cond evt="onPrev" delay="0">
+                  <p:tgtEl>
+                    <p:sldTgt/>
+                  </p:tgtEl>
+                </p:cond>
+              </p:prevCondLst>
+              <p:nextCondLst>
+                <p:cond evt="onNext" delay="0">
+                  <p:tgtEl>
+                    <p:sldTgt/>
+                  </p:tgtEl>
+                </p:cond>
+              </p:nextCondLst>
+            </p:seq>
+          </p:childTnLst>
+        </p:cTn>
+      </p:par>
+    </p:tnLst>
+    <p:bldLst>
+      <p:bldP spid="2" grpId="0"/>
+    </p:bldLst>
+  </p:timing>
 </p:sld>
 </file>
 
